--- a/A_Trier/Présentation_Raspberry.pptx
+++ b/A_Trier/Présentation_Raspberry.pptx
@@ -11,6 +11,11 @@
     <p:sldId id="259" r:id="rId5"/>
     <p:sldId id="260" r:id="rId6"/>
     <p:sldId id="262" r:id="rId7"/>
+    <p:sldId id="263" r:id="rId8"/>
+    <p:sldId id="264" r:id="rId9"/>
+    <p:sldId id="265" r:id="rId10"/>
+    <p:sldId id="266" r:id="rId11"/>
+    <p:sldId id="267" r:id="rId12"/>
   </p:sldIdLst>
   <p:sldSz cx="12192000" cy="6858000"/>
   <p:notesSz cx="6858000" cy="9144000"/>
@@ -363,7 +368,7 @@
           <a:p>
             <a:fld id="{8F60B0B9-F849-46DF-B0F7-3E0B5BFA23F1}" type="datetimeFigureOut">
               <a:rPr lang="fr-BE" smtClean="0"/>
-              <a:t>18-04-23</a:t>
+              <a:t>19-04-23</a:t>
             </a:fld>
             <a:endParaRPr lang="fr-BE"/>
           </a:p>
@@ -533,7 +538,7 @@
           <a:p>
             <a:fld id="{8F60B0B9-F849-46DF-B0F7-3E0B5BFA23F1}" type="datetimeFigureOut">
               <a:rPr lang="fr-BE" smtClean="0"/>
-              <a:t>18-04-23</a:t>
+              <a:t>19-04-23</a:t>
             </a:fld>
             <a:endParaRPr lang="fr-BE"/>
           </a:p>
@@ -713,7 +718,7 @@
           <a:p>
             <a:fld id="{8F60B0B9-F849-46DF-B0F7-3E0B5BFA23F1}" type="datetimeFigureOut">
               <a:rPr lang="fr-BE" smtClean="0"/>
-              <a:t>18-04-23</a:t>
+              <a:t>19-04-23</a:t>
             </a:fld>
             <a:endParaRPr lang="fr-BE"/>
           </a:p>
@@ -883,7 +888,7 @@
           <a:p>
             <a:fld id="{8F60B0B9-F849-46DF-B0F7-3E0B5BFA23F1}" type="datetimeFigureOut">
               <a:rPr lang="fr-BE" smtClean="0"/>
-              <a:t>18-04-23</a:t>
+              <a:t>19-04-23</a:t>
             </a:fld>
             <a:endParaRPr lang="fr-BE"/>
           </a:p>
@@ -1151,7 +1156,7 @@
           <a:p>
             <a:fld id="{8F60B0B9-F849-46DF-B0F7-3E0B5BFA23F1}" type="datetimeFigureOut">
               <a:rPr lang="fr-BE" smtClean="0"/>
-              <a:t>18-04-23</a:t>
+              <a:t>19-04-23</a:t>
             </a:fld>
             <a:endParaRPr lang="fr-BE"/>
           </a:p>
@@ -1383,7 +1388,7 @@
           <a:p>
             <a:fld id="{8F60B0B9-F849-46DF-B0F7-3E0B5BFA23F1}" type="datetimeFigureOut">
               <a:rPr lang="fr-BE" smtClean="0"/>
-              <a:t>18-04-23</a:t>
+              <a:t>19-04-23</a:t>
             </a:fld>
             <a:endParaRPr lang="fr-BE"/>
           </a:p>
@@ -1742,7 +1747,7 @@
           <a:p>
             <a:fld id="{8F60B0B9-F849-46DF-B0F7-3E0B5BFA23F1}" type="datetimeFigureOut">
               <a:rPr lang="fr-BE" smtClean="0"/>
-              <a:t>18-04-23</a:t>
+              <a:t>19-04-23</a:t>
             </a:fld>
             <a:endParaRPr lang="fr-BE"/>
           </a:p>
@@ -1883,7 +1888,7 @@
           <a:p>
             <a:fld id="{8F60B0B9-F849-46DF-B0F7-3E0B5BFA23F1}" type="datetimeFigureOut">
               <a:rPr lang="fr-BE" smtClean="0"/>
-              <a:t>18-04-23</a:t>
+              <a:t>19-04-23</a:t>
             </a:fld>
             <a:endParaRPr lang="fr-BE"/>
           </a:p>
@@ -1978,7 +1983,7 @@
           <a:p>
             <a:fld id="{8F60B0B9-F849-46DF-B0F7-3E0B5BFA23F1}" type="datetimeFigureOut">
               <a:rPr lang="fr-BE" smtClean="0"/>
-              <a:t>18-04-23</a:t>
+              <a:t>19-04-23</a:t>
             </a:fld>
             <a:endParaRPr lang="fr-BE"/>
           </a:p>
@@ -2335,7 +2340,7 @@
           <a:p>
             <a:fld id="{8F60B0B9-F849-46DF-B0F7-3E0B5BFA23F1}" type="datetimeFigureOut">
               <a:rPr lang="fr-BE" smtClean="0"/>
-              <a:t>18-04-23</a:t>
+              <a:t>19-04-23</a:t>
             </a:fld>
             <a:endParaRPr lang="fr-BE"/>
           </a:p>
@@ -2692,7 +2697,7 @@
           <a:p>
             <a:fld id="{8F60B0B9-F849-46DF-B0F7-3E0B5BFA23F1}" type="datetimeFigureOut">
               <a:rPr lang="fr-BE" smtClean="0"/>
-              <a:t>18-04-23</a:t>
+              <a:t>19-04-23</a:t>
             </a:fld>
             <a:endParaRPr lang="fr-BE"/>
           </a:p>
@@ -2934,7 +2939,7 @@
           <a:p>
             <a:fld id="{8F60B0B9-F849-46DF-B0F7-3E0B5BFA23F1}" type="datetimeFigureOut">
               <a:rPr lang="fr-BE" smtClean="0"/>
-              <a:t>18-04-23</a:t>
+              <a:t>19-04-23</a:t>
             </a:fld>
             <a:endParaRPr lang="fr-BE"/>
           </a:p>
@@ -3427,6 +3432,727 @@
 </p:sld>
 </file>
 
+<file path=ppt/slides/slide10.xml><?xml version="1.0" encoding="utf-8"?>
+<p:sld xmlns:a="http://schemas.openxmlformats.org/drawingml/2006/main" xmlns:r="http://schemas.openxmlformats.org/officeDocument/2006/relationships" xmlns:p="http://schemas.openxmlformats.org/presentationml/2006/main">
+  <p:cSld>
+    <p:bg>
+      <p:bgPr>
+        <a:solidFill>
+          <a:schemeClr val="bg1">
+            <a:lumMod val="95000"/>
+          </a:schemeClr>
+        </a:solidFill>
+        <a:effectLst/>
+      </p:bgPr>
+    </p:bg>
+    <p:spTree>
+      <p:nvGrpSpPr>
+        <p:cNvPr id="1" name=""/>
+        <p:cNvGrpSpPr/>
+        <p:nvPr/>
+      </p:nvGrpSpPr>
+      <p:grpSpPr>
+        <a:xfrm>
+          <a:off x="0" y="0"/>
+          <a:ext cx="0" cy="0"/>
+          <a:chOff x="0" y="0"/>
+          <a:chExt cx="0" cy="0"/>
+        </a:xfrm>
+      </p:grpSpPr>
+      <p:sp useBgFill="1">
+        <p:nvSpPr>
+          <p:cNvPr id="10" name="Rectangle 9">
+            <a:extLst>
+              <a:ext uri="{FF2B5EF4-FFF2-40B4-BE49-F238E27FC236}">
+                <a16:creationId xmlns:a16="http://schemas.microsoft.com/office/drawing/2014/main" id="{1660E788-AFA9-4A1B-9991-6AA74632A15B}"/>
+              </a:ext>
+              <a:ext uri="{C183D7F6-B498-43B3-948B-1728B52AA6E4}">
+                <adec:decorative xmlns:adec="http://schemas.microsoft.com/office/drawing/2017/decorative" val="1"/>
+              </a:ext>
+            </a:extLst>
+          </p:cNvPr>
+          <p:cNvSpPr>
+            <a:spLocks noGrp="1" noRot="1" noChangeAspect="1" noMove="1" noResize="1" noEditPoints="1" noAdjustHandles="1" noChangeArrowheads="1" noChangeShapeType="1" noTextEdit="1"/>
+          </p:cNvSpPr>
+          <p:nvPr>
+            <p:extLst>
+              <p:ext uri="{386F3935-93C4-4BCD-93E2-E3B085C9AB24}">
+                <p16:designElem xmlns:p16="http://schemas.microsoft.com/office/powerpoint/2015/main" val="1"/>
+              </p:ext>
+            </p:extLst>
+          </p:nvPr>
+        </p:nvSpPr>
+        <p:spPr>
+          <a:xfrm>
+            <a:off x="0" y="0"/>
+            <a:ext cx="12191999" cy="6858000"/>
+          </a:xfrm>
+          <a:prstGeom prst="rect">
+            <a:avLst/>
+          </a:prstGeom>
+          <a:ln>
+            <a:noFill/>
+          </a:ln>
+        </p:spPr>
+        <p:style>
+          <a:lnRef idx="2">
+            <a:schemeClr val="accent1">
+              <a:shade val="50000"/>
+            </a:schemeClr>
+          </a:lnRef>
+          <a:fillRef idx="1">
+            <a:schemeClr val="accent1"/>
+          </a:fillRef>
+          <a:effectRef idx="0">
+            <a:schemeClr val="accent1"/>
+          </a:effectRef>
+          <a:fontRef idx="minor">
+            <a:schemeClr val="lt1"/>
+          </a:fontRef>
+        </p:style>
+        <p:txBody>
+          <a:bodyPr rtlCol="0" anchor="ctr"/>
+          <a:lstStyle/>
+          <a:p>
+            <a:pPr algn="ctr"/>
+            <a:endParaRPr lang="en-US"/>
+          </a:p>
+        </p:txBody>
+      </p:sp>
+      <p:sp>
+        <p:nvSpPr>
+          <p:cNvPr id="12" name="Rectangle 11">
+            <a:extLst>
+              <a:ext uri="{FF2B5EF4-FFF2-40B4-BE49-F238E27FC236}">
+                <a16:creationId xmlns:a16="http://schemas.microsoft.com/office/drawing/2014/main" id="{867D4867-5BA7-4462-B2F6-A23F4A622AA7}"/>
+              </a:ext>
+              <a:ext uri="{C183D7F6-B498-43B3-948B-1728B52AA6E4}">
+                <adec:decorative xmlns:adec="http://schemas.microsoft.com/office/drawing/2017/decorative" val="1"/>
+              </a:ext>
+            </a:extLst>
+          </p:cNvPr>
+          <p:cNvSpPr>
+            <a:spLocks noGrp="1" noRot="1" noChangeAspect="1" noMove="1" noResize="1" noEditPoints="1" noAdjustHandles="1" noChangeArrowheads="1" noChangeShapeType="1" noTextEdit="1"/>
+          </p:cNvSpPr>
+          <p:nvPr>
+            <p:extLst>
+              <p:ext uri="{386F3935-93C4-4BCD-93E2-E3B085C9AB24}">
+                <p16:designElem xmlns:p16="http://schemas.microsoft.com/office/powerpoint/2015/main" val="1"/>
+              </p:ext>
+            </p:extLst>
+          </p:nvPr>
+        </p:nvSpPr>
+        <p:spPr>
+          <a:xfrm>
+            <a:off x="-1" y="0"/>
+            <a:ext cx="7544653" cy="6858000"/>
+          </a:xfrm>
+          <a:prstGeom prst="rect">
+            <a:avLst/>
+          </a:prstGeom>
+          <a:solidFill>
+            <a:schemeClr val="tx2"/>
+          </a:solidFill>
+          <a:ln>
+            <a:noFill/>
+          </a:ln>
+        </p:spPr>
+        <p:style>
+          <a:lnRef idx="0">
+            <a:scrgbClr r="0" g="0" b="0"/>
+          </a:lnRef>
+          <a:fillRef idx="0">
+            <a:scrgbClr r="0" g="0" b="0"/>
+          </a:fillRef>
+          <a:effectRef idx="0">
+            <a:scrgbClr r="0" g="0" b="0"/>
+          </a:effectRef>
+          <a:fontRef idx="minor">
+            <a:schemeClr val="lt1"/>
+          </a:fontRef>
+        </p:style>
+        <p:txBody>
+          <a:bodyPr rtlCol="0" anchor="ctr"/>
+          <a:lstStyle/>
+          <a:p>
+            <a:pPr algn="ctr"/>
+            <a:endParaRPr lang="en-US"/>
+          </a:p>
+        </p:txBody>
+      </p:sp>
+      <p:sp>
+        <p:nvSpPr>
+          <p:cNvPr id="2" name="Titre 1">
+            <a:extLst>
+              <a:ext uri="{FF2B5EF4-FFF2-40B4-BE49-F238E27FC236}">
+                <a16:creationId xmlns:a16="http://schemas.microsoft.com/office/drawing/2014/main" id="{79B96849-B916-B0C4-D279-2D7BBCAF87AF}"/>
+              </a:ext>
+            </a:extLst>
+          </p:cNvPr>
+          <p:cNvSpPr>
+            <a:spLocks noGrp="1"/>
+          </p:cNvSpPr>
+          <p:nvPr>
+            <p:ph type="title"/>
+          </p:nvPr>
+        </p:nvSpPr>
+        <p:spPr>
+          <a:xfrm>
+            <a:off x="650967" y="378800"/>
+            <a:ext cx="6242719" cy="1728044"/>
+          </a:xfrm>
+          <a:noFill/>
+          <a:ln>
+            <a:solidFill>
+              <a:schemeClr val="bg1"/>
+            </a:solidFill>
+          </a:ln>
+        </p:spPr>
+        <p:txBody>
+          <a:bodyPr wrap="square">
+            <a:normAutofit/>
+          </a:bodyPr>
+          <a:lstStyle/>
+          <a:p>
+            <a:r>
+              <a:rPr lang="fr-BE" dirty="0">
+                <a:solidFill>
+                  <a:schemeClr val="bg1"/>
+                </a:solidFill>
+              </a:rPr>
+              <a:t>Capteur Ultrason</a:t>
+            </a:r>
+          </a:p>
+        </p:txBody>
+      </p:sp>
+      <p:sp>
+        <p:nvSpPr>
+          <p:cNvPr id="3" name="Espace réservé du contenu 2">
+            <a:extLst>
+              <a:ext uri="{FF2B5EF4-FFF2-40B4-BE49-F238E27FC236}">
+                <a16:creationId xmlns:a16="http://schemas.microsoft.com/office/drawing/2014/main" id="{D42181E2-5E4E-C401-43DD-F0B5B1F20CB2}"/>
+              </a:ext>
+            </a:extLst>
+          </p:cNvPr>
+          <p:cNvSpPr>
+            <a:spLocks noGrp="1"/>
+          </p:cNvSpPr>
+          <p:nvPr>
+            <p:ph idx="1"/>
+          </p:nvPr>
+        </p:nvSpPr>
+        <p:spPr>
+          <a:xfrm>
+            <a:off x="650971" y="2123608"/>
+            <a:ext cx="6242715" cy="4734392"/>
+          </a:xfrm>
+        </p:spPr>
+        <p:txBody>
+          <a:bodyPr>
+            <a:normAutofit/>
+          </a:bodyPr>
+          <a:lstStyle/>
+          <a:p>
+            <a:r>
+              <a:rPr lang="fr-BE" sz="2000" dirty="0">
+                <a:solidFill>
+                  <a:schemeClr val="bg1"/>
+                </a:solidFill>
+              </a:rPr>
+              <a:t>C’est un dispositif électronique qui utilise des ondes sonores pour mesurer des distances.</a:t>
+            </a:r>
+          </a:p>
+          <a:p>
+            <a:r>
+              <a:rPr lang="fr-BE" sz="2000" dirty="0">
+                <a:solidFill>
+                  <a:schemeClr val="bg1"/>
+                </a:solidFill>
+              </a:rPr>
+              <a:t>Le capteur est équipé d’un émetteur et d’un récepteur, L’émetteur envoie des ondes sonores à haute fréquence qui se propagent dans l’air jusqu’à atteindre l’objet, une fois qu’elle ont atteint l’objet , l’onde est réfléchie et renvoyée vers le capteur.</a:t>
+            </a:r>
+          </a:p>
+          <a:p>
+            <a:r>
+              <a:rPr lang="fr-BE" sz="2000" dirty="0">
+                <a:solidFill>
+                  <a:schemeClr val="bg1"/>
+                </a:solidFill>
+              </a:rPr>
+              <a:t>Le récepteur du capteur détecte les ondes réfléchies et mesure le temps nécessaire pour que les ondes sonores parcourent la distance entre le capteur et l’objet. </a:t>
+            </a:r>
+          </a:p>
+          <a:p>
+            <a:r>
+              <a:rPr lang="fr-BE" sz="2000" dirty="0">
+                <a:solidFill>
+                  <a:schemeClr val="bg1"/>
+                </a:solidFill>
+              </a:rPr>
+              <a:t>A partir de cette mesure, le capteur peut calculer la distance entre l’objet et capteur.</a:t>
+            </a:r>
+          </a:p>
+          <a:p>
+            <a:r>
+              <a:rPr lang="fr-BE" sz="2000" dirty="0">
+                <a:solidFill>
+                  <a:schemeClr val="bg1"/>
+                </a:solidFill>
+              </a:rPr>
+              <a:t>TRIG = Emetteur | ECHO = Récepteur</a:t>
+            </a:r>
+          </a:p>
+          <a:p>
+            <a:endParaRPr lang="fr-BE" dirty="0">
+              <a:solidFill>
+                <a:schemeClr val="bg1"/>
+              </a:solidFill>
+            </a:endParaRPr>
+          </a:p>
+          <a:p>
+            <a:endParaRPr lang="fr-BE" dirty="0">
+              <a:solidFill>
+                <a:schemeClr val="bg1"/>
+              </a:solidFill>
+            </a:endParaRPr>
+          </a:p>
+          <a:p>
+            <a:endParaRPr lang="fr-BE" dirty="0">
+              <a:solidFill>
+                <a:schemeClr val="bg1"/>
+              </a:solidFill>
+            </a:endParaRPr>
+          </a:p>
+        </p:txBody>
+      </p:sp>
+      <p:pic>
+        <p:nvPicPr>
+          <p:cNvPr id="5" name="Image 4" descr="Une image contenant tasse de café&#10;&#10;Description générée automatiquement">
+            <a:extLst>
+              <a:ext uri="{FF2B5EF4-FFF2-40B4-BE49-F238E27FC236}">
+                <a16:creationId xmlns:a16="http://schemas.microsoft.com/office/drawing/2014/main" id="{6EA1D7C3-6249-6077-6BE3-D0A87B0BA698}"/>
+              </a:ext>
+            </a:extLst>
+          </p:cNvPr>
+          <p:cNvPicPr>
+            <a:picLocks noChangeAspect="1"/>
+          </p:cNvPicPr>
+          <p:nvPr/>
+        </p:nvPicPr>
+        <p:blipFill rotWithShape="1">
+          <a:blip r:embed="rId2">
+            <a:extLst>
+              <a:ext uri="{28A0092B-C50C-407E-A947-70E740481C1C}">
+                <a14:useLocalDpi xmlns:a14="http://schemas.microsoft.com/office/drawing/2010/main" val="0"/>
+              </a:ext>
+            </a:extLst>
+          </a:blip>
+          <a:srcRect l="13996" r="19080"/>
+          <a:stretch/>
+        </p:blipFill>
+        <p:spPr>
+          <a:xfrm>
+            <a:off x="7692588" y="2079244"/>
+            <a:ext cx="4367332" cy="2958014"/>
+          </a:xfrm>
+          <a:prstGeom prst="rect">
+            <a:avLst/>
+          </a:prstGeom>
+        </p:spPr>
+      </p:pic>
+    </p:spTree>
+    <p:extLst>
+      <p:ext uri="{BB962C8B-B14F-4D97-AF65-F5344CB8AC3E}">
+        <p14:creationId xmlns:p14="http://schemas.microsoft.com/office/powerpoint/2010/main" val="3196676229"/>
+      </p:ext>
+    </p:extLst>
+  </p:cSld>
+  <p:clrMapOvr>
+    <a:masterClrMapping/>
+  </p:clrMapOvr>
+</p:sld>
+</file>
+
+<file path=ppt/slides/slide11.xml><?xml version="1.0" encoding="utf-8"?>
+<p:sld xmlns:a="http://schemas.openxmlformats.org/drawingml/2006/main" xmlns:r="http://schemas.openxmlformats.org/officeDocument/2006/relationships" xmlns:p="http://schemas.openxmlformats.org/presentationml/2006/main">
+  <p:cSld>
+    <p:bg>
+      <p:bgPr>
+        <a:solidFill>
+          <a:schemeClr val="bg1">
+            <a:lumMod val="95000"/>
+          </a:schemeClr>
+        </a:solidFill>
+        <a:effectLst/>
+      </p:bgPr>
+    </p:bg>
+    <p:spTree>
+      <p:nvGrpSpPr>
+        <p:cNvPr id="1" name=""/>
+        <p:cNvGrpSpPr/>
+        <p:nvPr/>
+      </p:nvGrpSpPr>
+      <p:grpSpPr>
+        <a:xfrm>
+          <a:off x="0" y="0"/>
+          <a:ext cx="0" cy="0"/>
+          <a:chOff x="0" y="0"/>
+          <a:chExt cx="0" cy="0"/>
+        </a:xfrm>
+      </p:grpSpPr>
+      <p:sp useBgFill="1">
+        <p:nvSpPr>
+          <p:cNvPr id="10" name="Rectangle 9">
+            <a:extLst>
+              <a:ext uri="{FF2B5EF4-FFF2-40B4-BE49-F238E27FC236}">
+                <a16:creationId xmlns:a16="http://schemas.microsoft.com/office/drawing/2014/main" id="{1660E788-AFA9-4A1B-9991-6AA74632A15B}"/>
+              </a:ext>
+              <a:ext uri="{C183D7F6-B498-43B3-948B-1728B52AA6E4}">
+                <adec:decorative xmlns:adec="http://schemas.microsoft.com/office/drawing/2017/decorative" val="1"/>
+              </a:ext>
+            </a:extLst>
+          </p:cNvPr>
+          <p:cNvSpPr>
+            <a:spLocks noGrp="1" noRot="1" noChangeAspect="1" noMove="1" noResize="1" noEditPoints="1" noAdjustHandles="1" noChangeArrowheads="1" noChangeShapeType="1" noTextEdit="1"/>
+          </p:cNvSpPr>
+          <p:nvPr>
+            <p:extLst>
+              <p:ext uri="{386F3935-93C4-4BCD-93E2-E3B085C9AB24}">
+                <p16:designElem xmlns:p16="http://schemas.microsoft.com/office/powerpoint/2015/main" val="1"/>
+              </p:ext>
+            </p:extLst>
+          </p:nvPr>
+        </p:nvSpPr>
+        <p:spPr>
+          <a:xfrm>
+            <a:off x="0" y="0"/>
+            <a:ext cx="12191999" cy="6858000"/>
+          </a:xfrm>
+          <a:prstGeom prst="rect">
+            <a:avLst/>
+          </a:prstGeom>
+          <a:ln>
+            <a:noFill/>
+          </a:ln>
+        </p:spPr>
+        <p:style>
+          <a:lnRef idx="2">
+            <a:schemeClr val="accent1">
+              <a:shade val="50000"/>
+            </a:schemeClr>
+          </a:lnRef>
+          <a:fillRef idx="1">
+            <a:schemeClr val="accent1"/>
+          </a:fillRef>
+          <a:effectRef idx="0">
+            <a:schemeClr val="accent1"/>
+          </a:effectRef>
+          <a:fontRef idx="minor">
+            <a:schemeClr val="lt1"/>
+          </a:fontRef>
+        </p:style>
+        <p:txBody>
+          <a:bodyPr rtlCol="0" anchor="ctr"/>
+          <a:lstStyle/>
+          <a:p>
+            <a:pPr algn="ctr"/>
+            <a:endParaRPr lang="en-US"/>
+          </a:p>
+        </p:txBody>
+      </p:sp>
+      <p:sp>
+        <p:nvSpPr>
+          <p:cNvPr id="12" name="Rectangle 11">
+            <a:extLst>
+              <a:ext uri="{FF2B5EF4-FFF2-40B4-BE49-F238E27FC236}">
+                <a16:creationId xmlns:a16="http://schemas.microsoft.com/office/drawing/2014/main" id="{867D4867-5BA7-4462-B2F6-A23F4A622AA7}"/>
+              </a:ext>
+              <a:ext uri="{C183D7F6-B498-43B3-948B-1728B52AA6E4}">
+                <adec:decorative xmlns:adec="http://schemas.microsoft.com/office/drawing/2017/decorative" val="1"/>
+              </a:ext>
+            </a:extLst>
+          </p:cNvPr>
+          <p:cNvSpPr>
+            <a:spLocks noGrp="1" noRot="1" noChangeAspect="1" noMove="1" noResize="1" noEditPoints="1" noAdjustHandles="1" noChangeArrowheads="1" noChangeShapeType="1" noTextEdit="1"/>
+          </p:cNvSpPr>
+          <p:nvPr>
+            <p:extLst>
+              <p:ext uri="{386F3935-93C4-4BCD-93E2-E3B085C9AB24}">
+                <p16:designElem xmlns:p16="http://schemas.microsoft.com/office/powerpoint/2015/main" val="1"/>
+              </p:ext>
+            </p:extLst>
+          </p:nvPr>
+        </p:nvSpPr>
+        <p:spPr>
+          <a:xfrm>
+            <a:off x="-1" y="0"/>
+            <a:ext cx="7544653" cy="6858000"/>
+          </a:xfrm>
+          <a:prstGeom prst="rect">
+            <a:avLst/>
+          </a:prstGeom>
+          <a:solidFill>
+            <a:schemeClr val="tx2"/>
+          </a:solidFill>
+          <a:ln>
+            <a:noFill/>
+          </a:ln>
+        </p:spPr>
+        <p:style>
+          <a:lnRef idx="0">
+            <a:scrgbClr r="0" g="0" b="0"/>
+          </a:lnRef>
+          <a:fillRef idx="0">
+            <a:scrgbClr r="0" g="0" b="0"/>
+          </a:fillRef>
+          <a:effectRef idx="0">
+            <a:scrgbClr r="0" g="0" b="0"/>
+          </a:effectRef>
+          <a:fontRef idx="minor">
+            <a:schemeClr val="lt1"/>
+          </a:fontRef>
+        </p:style>
+        <p:txBody>
+          <a:bodyPr rtlCol="0" anchor="ctr"/>
+          <a:lstStyle/>
+          <a:p>
+            <a:pPr algn="ctr"/>
+            <a:endParaRPr lang="en-US"/>
+          </a:p>
+        </p:txBody>
+      </p:sp>
+      <p:sp>
+        <p:nvSpPr>
+          <p:cNvPr id="2" name="Titre 1">
+            <a:extLst>
+              <a:ext uri="{FF2B5EF4-FFF2-40B4-BE49-F238E27FC236}">
+                <a16:creationId xmlns:a16="http://schemas.microsoft.com/office/drawing/2014/main" id="{79B96849-B916-B0C4-D279-2D7BBCAF87AF}"/>
+              </a:ext>
+            </a:extLst>
+          </p:cNvPr>
+          <p:cNvSpPr>
+            <a:spLocks noGrp="1"/>
+          </p:cNvSpPr>
+          <p:nvPr>
+            <p:ph type="title"/>
+          </p:nvPr>
+        </p:nvSpPr>
+        <p:spPr>
+          <a:xfrm>
+            <a:off x="650967" y="297520"/>
+            <a:ext cx="6242719" cy="1728044"/>
+          </a:xfrm>
+          <a:noFill/>
+          <a:ln>
+            <a:solidFill>
+              <a:schemeClr val="bg1"/>
+            </a:solidFill>
+          </a:ln>
+        </p:spPr>
+        <p:txBody>
+          <a:bodyPr wrap="square">
+            <a:normAutofit/>
+          </a:bodyPr>
+          <a:lstStyle/>
+          <a:p>
+            <a:r>
+              <a:rPr lang="fr-BE" dirty="0">
+                <a:solidFill>
+                  <a:schemeClr val="bg1"/>
+                </a:solidFill>
+              </a:rPr>
+              <a:t>Capteur INFRAROUGE</a:t>
+            </a:r>
+          </a:p>
+        </p:txBody>
+      </p:sp>
+      <p:sp>
+        <p:nvSpPr>
+          <p:cNvPr id="3" name="Espace réservé du contenu 2">
+            <a:extLst>
+              <a:ext uri="{FF2B5EF4-FFF2-40B4-BE49-F238E27FC236}">
+                <a16:creationId xmlns:a16="http://schemas.microsoft.com/office/drawing/2014/main" id="{D42181E2-5E4E-C401-43DD-F0B5B1F20CB2}"/>
+              </a:ext>
+            </a:extLst>
+          </p:cNvPr>
+          <p:cNvSpPr>
+            <a:spLocks noGrp="1"/>
+          </p:cNvSpPr>
+          <p:nvPr>
+            <p:ph idx="1"/>
+          </p:nvPr>
+        </p:nvSpPr>
+        <p:spPr>
+          <a:xfrm>
+            <a:off x="650967" y="2025564"/>
+            <a:ext cx="6242715" cy="4734392"/>
+          </a:xfrm>
+        </p:spPr>
+        <p:txBody>
+          <a:bodyPr>
+            <a:normAutofit fontScale="92500" lnSpcReduction="10000"/>
+          </a:bodyPr>
+          <a:lstStyle/>
+          <a:p>
+            <a:r>
+              <a:rPr lang="fr-BE" dirty="0">
+                <a:solidFill>
+                  <a:schemeClr val="bg1"/>
+                </a:solidFill>
+              </a:rPr>
+              <a:t>Le fonctionnement de ce capteur est basé sur l'émission d'un faisceau de lumière infrarouge par l'émetteur intégré au capteur, puis la détection de la lumière réfléchie par le récepteur du capteur.</a:t>
+            </a:r>
+          </a:p>
+          <a:p>
+            <a:endParaRPr lang="fr-BE" dirty="0">
+              <a:solidFill>
+                <a:schemeClr val="bg1"/>
+              </a:solidFill>
+            </a:endParaRPr>
+          </a:p>
+          <a:p>
+            <a:r>
+              <a:rPr lang="fr-BE" dirty="0">
+                <a:solidFill>
+                  <a:schemeClr val="bg1"/>
+                </a:solidFill>
+              </a:rPr>
+              <a:t>Lorsqu'un objet est présent dans la zone de détection du capteur la lumière infrarouge émise par l'émetteur est réfléchie par la surface de l'objet et renvoyée vers le récepteur. Le récepteur détecte cette lumière réfléchie et envoie un signal électrique au circuit de contrôle du capteur. </a:t>
+            </a:r>
+          </a:p>
+          <a:p>
+            <a:r>
+              <a:rPr lang="fr-BE" dirty="0">
+                <a:solidFill>
+                  <a:schemeClr val="bg1"/>
+                </a:solidFill>
+              </a:rPr>
+              <a:t>2mm à 15mm.</a:t>
+            </a:r>
+          </a:p>
+          <a:p>
+            <a:endParaRPr lang="fr-BE" dirty="0">
+              <a:solidFill>
+                <a:schemeClr val="bg1"/>
+              </a:solidFill>
+            </a:endParaRPr>
+          </a:p>
+          <a:p>
+            <a:r>
+              <a:rPr lang="fr-BE">
+                <a:solidFill>
+                  <a:schemeClr val="bg1"/>
+                </a:solidFill>
+              </a:rPr>
+              <a:t>Potentiomètre </a:t>
+            </a:r>
+            <a:r>
+              <a:rPr lang="fr-BE" dirty="0">
+                <a:solidFill>
+                  <a:schemeClr val="bg1"/>
+                </a:solidFill>
+              </a:rPr>
+              <a:t>utilisé pour ajuster sa sensibilité, un émetteur infrarouge LED et un phototransistor.</a:t>
+            </a:r>
+          </a:p>
+          <a:p>
+            <a:r>
+              <a:rPr lang="fr-BE" dirty="0">
+                <a:solidFill>
+                  <a:schemeClr val="bg1"/>
+                </a:solidFill>
+              </a:rPr>
+              <a:t>SIGNAL : signal digital ( noir = </a:t>
+            </a:r>
+            <a:r>
+              <a:rPr lang="fr-BE" dirty="0" err="1">
+                <a:solidFill>
+                  <a:schemeClr val="bg1"/>
+                </a:solidFill>
+              </a:rPr>
+              <a:t>low</a:t>
+            </a:r>
+            <a:r>
+              <a:rPr lang="fr-BE" dirty="0">
+                <a:solidFill>
+                  <a:schemeClr val="bg1"/>
+                </a:solidFill>
+              </a:rPr>
+              <a:t>, blanc = high)</a:t>
+            </a:r>
+          </a:p>
+          <a:p>
+            <a:endParaRPr lang="fr-BE" dirty="0">
+              <a:solidFill>
+                <a:schemeClr val="bg1"/>
+              </a:solidFill>
+            </a:endParaRPr>
+          </a:p>
+          <a:p>
+            <a:endParaRPr lang="fr-BE" dirty="0">
+              <a:solidFill>
+                <a:schemeClr val="bg1"/>
+              </a:solidFill>
+            </a:endParaRPr>
+          </a:p>
+          <a:p>
+            <a:endParaRPr lang="fr-BE" dirty="0">
+              <a:solidFill>
+                <a:schemeClr val="bg1"/>
+              </a:solidFill>
+            </a:endParaRPr>
+          </a:p>
+        </p:txBody>
+      </p:sp>
+      <p:pic>
+        <p:nvPicPr>
+          <p:cNvPr id="6" name="Image 5">
+            <a:extLst>
+              <a:ext uri="{FF2B5EF4-FFF2-40B4-BE49-F238E27FC236}">
+                <a16:creationId xmlns:a16="http://schemas.microsoft.com/office/drawing/2014/main" id="{13DFC6C9-44EF-36FB-AF8F-34D8511F1FB0}"/>
+              </a:ext>
+            </a:extLst>
+          </p:cNvPr>
+          <p:cNvPicPr>
+            <a:picLocks noChangeAspect="1"/>
+          </p:cNvPicPr>
+          <p:nvPr/>
+        </p:nvPicPr>
+        <p:blipFill>
+          <a:blip r:embed="rId2">
+            <a:extLst>
+              <a:ext uri="{28A0092B-C50C-407E-A947-70E740481C1C}">
+                <a14:useLocalDpi xmlns:a14="http://schemas.microsoft.com/office/drawing/2010/main" val="0"/>
+              </a:ext>
+            </a:extLst>
+          </a:blip>
+          <a:stretch>
+            <a:fillRect/>
+          </a:stretch>
+        </p:blipFill>
+        <p:spPr>
+          <a:xfrm>
+            <a:off x="7889557" y="1564957"/>
+            <a:ext cx="3774123" cy="3774123"/>
+          </a:xfrm>
+          <a:prstGeom prst="rect">
+            <a:avLst/>
+          </a:prstGeom>
+        </p:spPr>
+      </p:pic>
+    </p:spTree>
+    <p:extLst>
+      <p:ext uri="{BB962C8B-B14F-4D97-AF65-F5344CB8AC3E}">
+        <p14:creationId xmlns:p14="http://schemas.microsoft.com/office/powerpoint/2010/main" val="3441652700"/>
+      </p:ext>
+    </p:extLst>
+  </p:cSld>
+  <p:clrMapOvr>
+    <a:masterClrMapping/>
+  </p:clrMapOvr>
+</p:sld>
+</file>
+
 <file path=ppt/slides/slide2.xml><?xml version="1.0" encoding="utf-8"?>
 <p:sld xmlns:a="http://schemas.openxmlformats.org/drawingml/2006/main" xmlns:r="http://schemas.openxmlformats.org/officeDocument/2006/relationships" xmlns:p="http://schemas.openxmlformats.org/presentationml/2006/main">
   <p:cSld>
@@ -5062,6 +5788,867 @@
     <p:extLst>
       <p:ext uri="{BB962C8B-B14F-4D97-AF65-F5344CB8AC3E}">
         <p14:creationId xmlns:p14="http://schemas.microsoft.com/office/powerpoint/2010/main" val="1747136896"/>
+      </p:ext>
+    </p:extLst>
+  </p:cSld>
+  <p:clrMapOvr>
+    <a:masterClrMapping/>
+  </p:clrMapOvr>
+</p:sld>
+</file>
+
+<file path=ppt/slides/slide7.xml><?xml version="1.0" encoding="utf-8"?>
+<p:sld xmlns:a="http://schemas.openxmlformats.org/drawingml/2006/main" xmlns:r="http://schemas.openxmlformats.org/officeDocument/2006/relationships" xmlns:p="http://schemas.openxmlformats.org/presentationml/2006/main">
+  <p:cSld>
+    <p:bg>
+      <p:bgPr>
+        <a:solidFill>
+          <a:schemeClr val="bg1"/>
+        </a:solidFill>
+        <a:effectLst/>
+      </p:bgPr>
+    </p:bg>
+    <p:spTree>
+      <p:nvGrpSpPr>
+        <p:cNvPr id="1" name=""/>
+        <p:cNvGrpSpPr/>
+        <p:nvPr/>
+      </p:nvGrpSpPr>
+      <p:grpSpPr>
+        <a:xfrm>
+          <a:off x="0" y="0"/>
+          <a:ext cx="0" cy="0"/>
+          <a:chOff x="0" y="0"/>
+          <a:chExt cx="0" cy="0"/>
+        </a:xfrm>
+      </p:grpSpPr>
+      <p:pic>
+        <p:nvPicPr>
+          <p:cNvPr id="5" name="Espace réservé du contenu 4">
+            <a:extLst>
+              <a:ext uri="{FF2B5EF4-FFF2-40B4-BE49-F238E27FC236}">
+                <a16:creationId xmlns:a16="http://schemas.microsoft.com/office/drawing/2014/main" id="{BF37DEF4-7911-1240-0E63-AF7FA32988BF}"/>
+              </a:ext>
+            </a:extLst>
+          </p:cNvPr>
+          <p:cNvPicPr>
+            <a:picLocks noGrp="1" noChangeAspect="1"/>
+          </p:cNvPicPr>
+          <p:nvPr>
+            <p:ph idx="1"/>
+          </p:nvPr>
+        </p:nvPicPr>
+        <p:blipFill rotWithShape="1">
+          <a:blip r:embed="rId2">
+            <a:alphaModFix amt="40000"/>
+          </a:blip>
+          <a:srcRect t="3182" b="9609"/>
+          <a:stretch/>
+        </p:blipFill>
+        <p:spPr>
+          <a:xfrm>
+            <a:off x="20" y="10"/>
+            <a:ext cx="12191980" cy="6857990"/>
+          </a:xfrm>
+          <a:prstGeom prst="rect">
+            <a:avLst/>
+          </a:prstGeom>
+        </p:spPr>
+      </p:pic>
+      <p:sp>
+        <p:nvSpPr>
+          <p:cNvPr id="6" name="ZoneTexte 5">
+            <a:extLst>
+              <a:ext uri="{FF2B5EF4-FFF2-40B4-BE49-F238E27FC236}">
+                <a16:creationId xmlns:a16="http://schemas.microsoft.com/office/drawing/2014/main" id="{05E35065-A265-DF58-9387-74F4C5693B49}"/>
+              </a:ext>
+            </a:extLst>
+          </p:cNvPr>
+          <p:cNvSpPr txBox="1"/>
+          <p:nvPr/>
+        </p:nvSpPr>
+        <p:spPr>
+          <a:xfrm>
+            <a:off x="396240" y="2853182"/>
+            <a:ext cx="11247120" cy="865378"/>
+          </a:xfrm>
+          <a:prstGeom prst="rect">
+            <a:avLst/>
+          </a:prstGeom>
+        </p:spPr>
+        <p:txBody>
+          <a:bodyPr vert="horz" lIns="91440" tIns="45720" rIns="91440" bIns="45720" rtlCol="0">
+            <a:noAutofit/>
+          </a:bodyPr>
+          <a:lstStyle/>
+          <a:p>
+            <a:pPr marL="57150" defTabSz="914400">
+              <a:spcBef>
+                <a:spcPts val="1000"/>
+              </a:spcBef>
+              <a:buClr>
+                <a:schemeClr val="accent2"/>
+              </a:buClr>
+            </a:pPr>
+            <a:r>
+              <a:rPr lang="en-US" sz="4800" dirty="0">
+                <a:solidFill>
+                  <a:schemeClr val="tx1">
+                    <a:lumMod val="85000"/>
+                    <a:lumOff val="15000"/>
+                  </a:schemeClr>
+                </a:solidFill>
+              </a:rPr>
+              <a:t>Les </a:t>
+            </a:r>
+            <a:r>
+              <a:rPr lang="en-US" sz="4800" dirty="0" err="1">
+                <a:solidFill>
+                  <a:schemeClr val="tx1">
+                    <a:lumMod val="85000"/>
+                    <a:lumOff val="15000"/>
+                  </a:schemeClr>
+                </a:solidFill>
+              </a:rPr>
+              <a:t>différents</a:t>
+            </a:r>
+            <a:r>
+              <a:rPr lang="en-US" sz="4800" dirty="0">
+                <a:solidFill>
+                  <a:schemeClr val="tx1">
+                    <a:lumMod val="85000"/>
+                    <a:lumOff val="15000"/>
+                  </a:schemeClr>
+                </a:solidFill>
+              </a:rPr>
+              <a:t> </a:t>
+            </a:r>
+            <a:r>
+              <a:rPr lang="en-US" sz="4800" dirty="0" err="1">
+                <a:solidFill>
+                  <a:schemeClr val="tx1">
+                    <a:lumMod val="85000"/>
+                    <a:lumOff val="15000"/>
+                  </a:schemeClr>
+                </a:solidFill>
+              </a:rPr>
+              <a:t>composants</a:t>
+            </a:r>
+            <a:r>
+              <a:rPr lang="en-US" sz="4800" dirty="0">
+                <a:solidFill>
+                  <a:schemeClr val="tx1">
+                    <a:lumMod val="85000"/>
+                    <a:lumOff val="15000"/>
+                  </a:schemeClr>
+                </a:solidFill>
+              </a:rPr>
+              <a:t> de </a:t>
+            </a:r>
+            <a:r>
+              <a:rPr lang="en-US" sz="4800" dirty="0" err="1">
+                <a:solidFill>
+                  <a:schemeClr val="tx1">
+                    <a:lumMod val="85000"/>
+                    <a:lumOff val="15000"/>
+                  </a:schemeClr>
+                </a:solidFill>
+              </a:rPr>
+              <a:t>notre</a:t>
+            </a:r>
+            <a:r>
+              <a:rPr lang="en-US" sz="4800" dirty="0">
+                <a:solidFill>
+                  <a:schemeClr val="tx1">
+                    <a:lumMod val="85000"/>
+                    <a:lumOff val="15000"/>
+                  </a:schemeClr>
+                </a:solidFill>
+              </a:rPr>
+              <a:t> module  </a:t>
+            </a:r>
+          </a:p>
+        </p:txBody>
+      </p:sp>
+    </p:spTree>
+    <p:extLst>
+      <p:ext uri="{BB962C8B-B14F-4D97-AF65-F5344CB8AC3E}">
+        <p14:creationId xmlns:p14="http://schemas.microsoft.com/office/powerpoint/2010/main" val="3139738"/>
+      </p:ext>
+    </p:extLst>
+  </p:cSld>
+  <p:clrMapOvr>
+    <a:overrideClrMapping bg1="dk1" tx1="lt1" bg2="dk2" tx2="lt2" accent1="accent1" accent2="accent2" accent3="accent3" accent4="accent4" accent5="accent5" accent6="accent6" hlink="hlink" folHlink="folHlink"/>
+  </p:clrMapOvr>
+</p:sld>
+</file>
+
+<file path=ppt/slides/slide8.xml><?xml version="1.0" encoding="utf-8"?>
+<p:sld xmlns:a="http://schemas.openxmlformats.org/drawingml/2006/main" xmlns:r="http://schemas.openxmlformats.org/officeDocument/2006/relationships" xmlns:p="http://schemas.openxmlformats.org/presentationml/2006/main">
+  <p:cSld>
+    <p:bg>
+      <p:bgPr>
+        <a:solidFill>
+          <a:schemeClr val="bg1">
+            <a:lumMod val="95000"/>
+          </a:schemeClr>
+        </a:solidFill>
+        <a:effectLst/>
+      </p:bgPr>
+    </p:bg>
+    <p:spTree>
+      <p:nvGrpSpPr>
+        <p:cNvPr id="1" name=""/>
+        <p:cNvGrpSpPr/>
+        <p:nvPr/>
+      </p:nvGrpSpPr>
+      <p:grpSpPr>
+        <a:xfrm>
+          <a:off x="0" y="0"/>
+          <a:ext cx="0" cy="0"/>
+          <a:chOff x="0" y="0"/>
+          <a:chExt cx="0" cy="0"/>
+        </a:xfrm>
+      </p:grpSpPr>
+      <p:sp useBgFill="1">
+        <p:nvSpPr>
+          <p:cNvPr id="10" name="Rectangle 9">
+            <a:extLst>
+              <a:ext uri="{FF2B5EF4-FFF2-40B4-BE49-F238E27FC236}">
+                <a16:creationId xmlns:a16="http://schemas.microsoft.com/office/drawing/2014/main" id="{1660E788-AFA9-4A1B-9991-6AA74632A15B}"/>
+              </a:ext>
+              <a:ext uri="{C183D7F6-B498-43B3-948B-1728B52AA6E4}">
+                <adec:decorative xmlns:adec="http://schemas.microsoft.com/office/drawing/2017/decorative" val="1"/>
+              </a:ext>
+            </a:extLst>
+          </p:cNvPr>
+          <p:cNvSpPr>
+            <a:spLocks noGrp="1" noRot="1" noChangeAspect="1" noMove="1" noResize="1" noEditPoints="1" noAdjustHandles="1" noChangeArrowheads="1" noChangeShapeType="1" noTextEdit="1"/>
+          </p:cNvSpPr>
+          <p:nvPr>
+            <p:extLst>
+              <p:ext uri="{386F3935-93C4-4BCD-93E2-E3B085C9AB24}">
+                <p16:designElem xmlns:p16="http://schemas.microsoft.com/office/powerpoint/2015/main" val="1"/>
+              </p:ext>
+            </p:extLst>
+          </p:nvPr>
+        </p:nvSpPr>
+        <p:spPr>
+          <a:xfrm>
+            <a:off x="0" y="0"/>
+            <a:ext cx="12191999" cy="6858000"/>
+          </a:xfrm>
+          <a:prstGeom prst="rect">
+            <a:avLst/>
+          </a:prstGeom>
+          <a:ln>
+            <a:noFill/>
+          </a:ln>
+        </p:spPr>
+        <p:style>
+          <a:lnRef idx="2">
+            <a:schemeClr val="accent1">
+              <a:shade val="50000"/>
+            </a:schemeClr>
+          </a:lnRef>
+          <a:fillRef idx="1">
+            <a:schemeClr val="accent1"/>
+          </a:fillRef>
+          <a:effectRef idx="0">
+            <a:schemeClr val="accent1"/>
+          </a:effectRef>
+          <a:fontRef idx="minor">
+            <a:schemeClr val="lt1"/>
+          </a:fontRef>
+        </p:style>
+        <p:txBody>
+          <a:bodyPr rtlCol="0" anchor="ctr"/>
+          <a:lstStyle/>
+          <a:p>
+            <a:pPr algn="ctr"/>
+            <a:endParaRPr lang="en-US"/>
+          </a:p>
+        </p:txBody>
+      </p:sp>
+      <p:sp>
+        <p:nvSpPr>
+          <p:cNvPr id="12" name="Rectangle 11">
+            <a:extLst>
+              <a:ext uri="{FF2B5EF4-FFF2-40B4-BE49-F238E27FC236}">
+                <a16:creationId xmlns:a16="http://schemas.microsoft.com/office/drawing/2014/main" id="{867D4867-5BA7-4462-B2F6-A23F4A622AA7}"/>
+              </a:ext>
+              <a:ext uri="{C183D7F6-B498-43B3-948B-1728B52AA6E4}">
+                <adec:decorative xmlns:adec="http://schemas.microsoft.com/office/drawing/2017/decorative" val="1"/>
+              </a:ext>
+            </a:extLst>
+          </p:cNvPr>
+          <p:cNvSpPr>
+            <a:spLocks noGrp="1" noRot="1" noChangeAspect="1" noMove="1" noResize="1" noEditPoints="1" noAdjustHandles="1" noChangeArrowheads="1" noChangeShapeType="1" noTextEdit="1"/>
+          </p:cNvSpPr>
+          <p:nvPr>
+            <p:extLst>
+              <p:ext uri="{386F3935-93C4-4BCD-93E2-E3B085C9AB24}">
+                <p16:designElem xmlns:p16="http://schemas.microsoft.com/office/powerpoint/2015/main" val="1"/>
+              </p:ext>
+            </p:extLst>
+          </p:nvPr>
+        </p:nvSpPr>
+        <p:spPr>
+          <a:xfrm>
+            <a:off x="-1" y="0"/>
+            <a:ext cx="7544653" cy="6858000"/>
+          </a:xfrm>
+          <a:prstGeom prst="rect">
+            <a:avLst/>
+          </a:prstGeom>
+          <a:solidFill>
+            <a:schemeClr val="tx2"/>
+          </a:solidFill>
+          <a:ln>
+            <a:noFill/>
+          </a:ln>
+        </p:spPr>
+        <p:style>
+          <a:lnRef idx="0">
+            <a:scrgbClr r="0" g="0" b="0"/>
+          </a:lnRef>
+          <a:fillRef idx="0">
+            <a:scrgbClr r="0" g="0" b="0"/>
+          </a:fillRef>
+          <a:effectRef idx="0">
+            <a:scrgbClr r="0" g="0" b="0"/>
+          </a:effectRef>
+          <a:fontRef idx="minor">
+            <a:schemeClr val="lt1"/>
+          </a:fontRef>
+        </p:style>
+        <p:txBody>
+          <a:bodyPr rtlCol="0" anchor="ctr"/>
+          <a:lstStyle/>
+          <a:p>
+            <a:pPr algn="ctr"/>
+            <a:endParaRPr lang="en-US"/>
+          </a:p>
+        </p:txBody>
+      </p:sp>
+      <p:sp>
+        <p:nvSpPr>
+          <p:cNvPr id="2" name="Titre 1">
+            <a:extLst>
+              <a:ext uri="{FF2B5EF4-FFF2-40B4-BE49-F238E27FC236}">
+                <a16:creationId xmlns:a16="http://schemas.microsoft.com/office/drawing/2014/main" id="{79B96849-B916-B0C4-D279-2D7BBCAF87AF}"/>
+              </a:ext>
+            </a:extLst>
+          </p:cNvPr>
+          <p:cNvSpPr>
+            <a:spLocks noGrp="1"/>
+          </p:cNvSpPr>
+          <p:nvPr>
+            <p:ph type="title"/>
+          </p:nvPr>
+        </p:nvSpPr>
+        <p:spPr>
+          <a:xfrm>
+            <a:off x="643466" y="643467"/>
+            <a:ext cx="6242719" cy="1728044"/>
+          </a:xfrm>
+          <a:noFill/>
+          <a:ln>
+            <a:solidFill>
+              <a:schemeClr val="bg1"/>
+            </a:solidFill>
+          </a:ln>
+        </p:spPr>
+        <p:txBody>
+          <a:bodyPr wrap="square">
+            <a:normAutofit/>
+          </a:bodyPr>
+          <a:lstStyle/>
+          <a:p>
+            <a:r>
+              <a:rPr lang="fr-BE" dirty="0">
+                <a:solidFill>
+                  <a:schemeClr val="bg1"/>
+                </a:solidFill>
+              </a:rPr>
+              <a:t>Servo-moteur SG90</a:t>
+            </a:r>
+          </a:p>
+        </p:txBody>
+      </p:sp>
+      <p:sp>
+        <p:nvSpPr>
+          <p:cNvPr id="3" name="Espace réservé du contenu 2">
+            <a:extLst>
+              <a:ext uri="{FF2B5EF4-FFF2-40B4-BE49-F238E27FC236}">
+                <a16:creationId xmlns:a16="http://schemas.microsoft.com/office/drawing/2014/main" id="{D42181E2-5E4E-C401-43DD-F0B5B1F20CB2}"/>
+              </a:ext>
+            </a:extLst>
+          </p:cNvPr>
+          <p:cNvSpPr>
+            <a:spLocks noGrp="1"/>
+          </p:cNvSpPr>
+          <p:nvPr>
+            <p:ph idx="1"/>
+          </p:nvPr>
+        </p:nvSpPr>
+        <p:spPr>
+          <a:xfrm>
+            <a:off x="650967" y="2749804"/>
+            <a:ext cx="6242715" cy="3234436"/>
+          </a:xfrm>
+        </p:spPr>
+        <p:txBody>
+          <a:bodyPr>
+            <a:normAutofit fontScale="92500"/>
+          </a:bodyPr>
+          <a:lstStyle/>
+          <a:p>
+            <a:r>
+              <a:rPr lang="fr-BE" sz="2000" dirty="0">
+                <a:solidFill>
+                  <a:schemeClr val="bg1"/>
+                </a:solidFill>
+              </a:rPr>
+              <a:t>Ce petit moteur électrique permet de positionner nos roues, en fonction de la valeur de la tension appliquée.</a:t>
+            </a:r>
+          </a:p>
+          <a:p>
+            <a:endParaRPr lang="fr-BE" sz="2000" dirty="0">
+              <a:solidFill>
+                <a:schemeClr val="bg1"/>
+              </a:solidFill>
+            </a:endParaRPr>
+          </a:p>
+          <a:p>
+            <a:r>
+              <a:rPr lang="fr-BE" sz="2000" dirty="0">
+                <a:solidFill>
+                  <a:schemeClr val="bg1"/>
+                </a:solidFill>
+              </a:rPr>
+              <a:t>On va pouvoir gérer la position grâce au signal du module PWM, lorsque le signal de la commande est reçu le moteur tourne dans la direction et à la vitesse spécifié.</a:t>
+            </a:r>
+          </a:p>
+          <a:p>
+            <a:endParaRPr lang="fr-BE" sz="2000" dirty="0">
+              <a:solidFill>
+                <a:schemeClr val="bg1"/>
+              </a:solidFill>
+            </a:endParaRPr>
+          </a:p>
+          <a:p>
+            <a:r>
+              <a:rPr lang="fr-BE" sz="2000" dirty="0">
+                <a:solidFill>
+                  <a:schemeClr val="bg1"/>
+                </a:solidFill>
+              </a:rPr>
+              <a:t>Nous pouvons ainsi gérer le positionnement précis et stable</a:t>
+            </a:r>
+          </a:p>
+          <a:p>
+            <a:endParaRPr lang="fr-BE" dirty="0">
+              <a:solidFill>
+                <a:schemeClr val="bg1"/>
+              </a:solidFill>
+            </a:endParaRPr>
+          </a:p>
+          <a:p>
+            <a:endParaRPr lang="fr-BE" dirty="0">
+              <a:solidFill>
+                <a:schemeClr val="bg1"/>
+              </a:solidFill>
+            </a:endParaRPr>
+          </a:p>
+          <a:p>
+            <a:endParaRPr lang="fr-BE" dirty="0">
+              <a:solidFill>
+                <a:schemeClr val="bg1"/>
+              </a:solidFill>
+            </a:endParaRPr>
+          </a:p>
+        </p:txBody>
+      </p:sp>
+      <p:pic>
+        <p:nvPicPr>
+          <p:cNvPr id="6" name="Image 5" descr="Une image contenant appareil de cuisine&#10;&#10;Description générée automatiquement">
+            <a:extLst>
+              <a:ext uri="{FF2B5EF4-FFF2-40B4-BE49-F238E27FC236}">
+                <a16:creationId xmlns:a16="http://schemas.microsoft.com/office/drawing/2014/main" id="{C29958AB-14E3-F1A4-574A-387B10AC4F43}"/>
+              </a:ext>
+            </a:extLst>
+          </p:cNvPr>
+          <p:cNvPicPr>
+            <a:picLocks noChangeAspect="1"/>
+          </p:cNvPicPr>
+          <p:nvPr/>
+        </p:nvPicPr>
+        <p:blipFill>
+          <a:blip r:embed="rId2">
+            <a:extLst>
+              <a:ext uri="{28A0092B-C50C-407E-A947-70E740481C1C}">
+                <a14:useLocalDpi xmlns:a14="http://schemas.microsoft.com/office/drawing/2010/main" val="0"/>
+              </a:ext>
+            </a:extLst>
+          </a:blip>
+          <a:stretch>
+            <a:fillRect/>
+          </a:stretch>
+        </p:blipFill>
+        <p:spPr>
+          <a:xfrm>
+            <a:off x="7606138" y="1700529"/>
+            <a:ext cx="4524375" cy="3810000"/>
+          </a:xfrm>
+          <a:prstGeom prst="rect">
+            <a:avLst/>
+          </a:prstGeom>
+        </p:spPr>
+      </p:pic>
+    </p:spTree>
+    <p:extLst>
+      <p:ext uri="{BB962C8B-B14F-4D97-AF65-F5344CB8AC3E}">
+        <p14:creationId xmlns:p14="http://schemas.microsoft.com/office/powerpoint/2010/main" val="1558491826"/>
+      </p:ext>
+    </p:extLst>
+  </p:cSld>
+  <p:clrMapOvr>
+    <a:masterClrMapping/>
+  </p:clrMapOvr>
+</p:sld>
+</file>
+
+<file path=ppt/slides/slide9.xml><?xml version="1.0" encoding="utf-8"?>
+<p:sld xmlns:a="http://schemas.openxmlformats.org/drawingml/2006/main" xmlns:r="http://schemas.openxmlformats.org/officeDocument/2006/relationships" xmlns:p="http://schemas.openxmlformats.org/presentationml/2006/main">
+  <p:cSld>
+    <p:bg>
+      <p:bgPr>
+        <a:solidFill>
+          <a:schemeClr val="bg1">
+            <a:lumMod val="95000"/>
+          </a:schemeClr>
+        </a:solidFill>
+        <a:effectLst/>
+      </p:bgPr>
+    </p:bg>
+    <p:spTree>
+      <p:nvGrpSpPr>
+        <p:cNvPr id="1" name=""/>
+        <p:cNvGrpSpPr/>
+        <p:nvPr/>
+      </p:nvGrpSpPr>
+      <p:grpSpPr>
+        <a:xfrm>
+          <a:off x="0" y="0"/>
+          <a:ext cx="0" cy="0"/>
+          <a:chOff x="0" y="0"/>
+          <a:chExt cx="0" cy="0"/>
+        </a:xfrm>
+      </p:grpSpPr>
+      <p:sp useBgFill="1">
+        <p:nvSpPr>
+          <p:cNvPr id="10" name="Rectangle 9">
+            <a:extLst>
+              <a:ext uri="{FF2B5EF4-FFF2-40B4-BE49-F238E27FC236}">
+                <a16:creationId xmlns:a16="http://schemas.microsoft.com/office/drawing/2014/main" id="{1660E788-AFA9-4A1B-9991-6AA74632A15B}"/>
+              </a:ext>
+              <a:ext uri="{C183D7F6-B498-43B3-948B-1728B52AA6E4}">
+                <adec:decorative xmlns:adec="http://schemas.microsoft.com/office/drawing/2017/decorative" val="1"/>
+              </a:ext>
+            </a:extLst>
+          </p:cNvPr>
+          <p:cNvSpPr>
+            <a:spLocks noGrp="1" noRot="1" noChangeAspect="1" noMove="1" noResize="1" noEditPoints="1" noAdjustHandles="1" noChangeArrowheads="1" noChangeShapeType="1" noTextEdit="1"/>
+          </p:cNvSpPr>
+          <p:nvPr>
+            <p:extLst>
+              <p:ext uri="{386F3935-93C4-4BCD-93E2-E3B085C9AB24}">
+                <p16:designElem xmlns:p16="http://schemas.microsoft.com/office/powerpoint/2015/main" val="1"/>
+              </p:ext>
+            </p:extLst>
+          </p:nvPr>
+        </p:nvSpPr>
+        <p:spPr>
+          <a:xfrm>
+            <a:off x="0" y="0"/>
+            <a:ext cx="12191999" cy="6858000"/>
+          </a:xfrm>
+          <a:prstGeom prst="rect">
+            <a:avLst/>
+          </a:prstGeom>
+          <a:ln>
+            <a:noFill/>
+          </a:ln>
+        </p:spPr>
+        <p:style>
+          <a:lnRef idx="2">
+            <a:schemeClr val="accent1">
+              <a:shade val="50000"/>
+            </a:schemeClr>
+          </a:lnRef>
+          <a:fillRef idx="1">
+            <a:schemeClr val="accent1"/>
+          </a:fillRef>
+          <a:effectRef idx="0">
+            <a:schemeClr val="accent1"/>
+          </a:effectRef>
+          <a:fontRef idx="minor">
+            <a:schemeClr val="lt1"/>
+          </a:fontRef>
+        </p:style>
+        <p:txBody>
+          <a:bodyPr rtlCol="0" anchor="ctr"/>
+          <a:lstStyle/>
+          <a:p>
+            <a:pPr algn="ctr"/>
+            <a:endParaRPr lang="en-US"/>
+          </a:p>
+        </p:txBody>
+      </p:sp>
+      <p:sp>
+        <p:nvSpPr>
+          <p:cNvPr id="12" name="Rectangle 11">
+            <a:extLst>
+              <a:ext uri="{FF2B5EF4-FFF2-40B4-BE49-F238E27FC236}">
+                <a16:creationId xmlns:a16="http://schemas.microsoft.com/office/drawing/2014/main" id="{867D4867-5BA7-4462-B2F6-A23F4A622AA7}"/>
+              </a:ext>
+              <a:ext uri="{C183D7F6-B498-43B3-948B-1728B52AA6E4}">
+                <adec:decorative xmlns:adec="http://schemas.microsoft.com/office/drawing/2017/decorative" val="1"/>
+              </a:ext>
+            </a:extLst>
+          </p:cNvPr>
+          <p:cNvSpPr>
+            <a:spLocks noGrp="1" noRot="1" noChangeAspect="1" noMove="1" noResize="1" noEditPoints="1" noAdjustHandles="1" noChangeArrowheads="1" noChangeShapeType="1" noTextEdit="1"/>
+          </p:cNvSpPr>
+          <p:nvPr>
+            <p:extLst>
+              <p:ext uri="{386F3935-93C4-4BCD-93E2-E3B085C9AB24}">
+                <p16:designElem xmlns:p16="http://schemas.microsoft.com/office/powerpoint/2015/main" val="1"/>
+              </p:ext>
+            </p:extLst>
+          </p:nvPr>
+        </p:nvSpPr>
+        <p:spPr>
+          <a:xfrm>
+            <a:off x="-1" y="0"/>
+            <a:ext cx="7544653" cy="6858000"/>
+          </a:xfrm>
+          <a:prstGeom prst="rect">
+            <a:avLst/>
+          </a:prstGeom>
+          <a:solidFill>
+            <a:schemeClr val="tx2"/>
+          </a:solidFill>
+          <a:ln>
+            <a:noFill/>
+          </a:ln>
+        </p:spPr>
+        <p:style>
+          <a:lnRef idx="0">
+            <a:scrgbClr r="0" g="0" b="0"/>
+          </a:lnRef>
+          <a:fillRef idx="0">
+            <a:scrgbClr r="0" g="0" b="0"/>
+          </a:fillRef>
+          <a:effectRef idx="0">
+            <a:scrgbClr r="0" g="0" b="0"/>
+          </a:effectRef>
+          <a:fontRef idx="minor">
+            <a:schemeClr val="lt1"/>
+          </a:fontRef>
+        </p:style>
+        <p:txBody>
+          <a:bodyPr rtlCol="0" anchor="ctr"/>
+          <a:lstStyle/>
+          <a:p>
+            <a:pPr algn="ctr"/>
+            <a:endParaRPr lang="en-US"/>
+          </a:p>
+        </p:txBody>
+      </p:sp>
+      <p:sp>
+        <p:nvSpPr>
+          <p:cNvPr id="2" name="Titre 1">
+            <a:extLst>
+              <a:ext uri="{FF2B5EF4-FFF2-40B4-BE49-F238E27FC236}">
+                <a16:creationId xmlns:a16="http://schemas.microsoft.com/office/drawing/2014/main" id="{79B96849-B916-B0C4-D279-2D7BBCAF87AF}"/>
+              </a:ext>
+            </a:extLst>
+          </p:cNvPr>
+          <p:cNvSpPr>
+            <a:spLocks noGrp="1"/>
+          </p:cNvSpPr>
+          <p:nvPr>
+            <p:ph type="title"/>
+          </p:nvPr>
+        </p:nvSpPr>
+        <p:spPr>
+          <a:xfrm>
+            <a:off x="643466" y="643467"/>
+            <a:ext cx="6242719" cy="1728044"/>
+          </a:xfrm>
+          <a:noFill/>
+          <a:ln>
+            <a:solidFill>
+              <a:schemeClr val="bg1"/>
+            </a:solidFill>
+          </a:ln>
+        </p:spPr>
+        <p:txBody>
+          <a:bodyPr wrap="square">
+            <a:normAutofit/>
+          </a:bodyPr>
+          <a:lstStyle/>
+          <a:p>
+            <a:r>
+              <a:rPr lang="fr-BE" dirty="0">
+                <a:solidFill>
+                  <a:schemeClr val="bg1"/>
+                </a:solidFill>
+              </a:rPr>
+              <a:t>Driver moteur – l298N</a:t>
+            </a:r>
+          </a:p>
+        </p:txBody>
+      </p:sp>
+      <p:sp>
+        <p:nvSpPr>
+          <p:cNvPr id="3" name="Espace réservé du contenu 2">
+            <a:extLst>
+              <a:ext uri="{FF2B5EF4-FFF2-40B4-BE49-F238E27FC236}">
+                <a16:creationId xmlns:a16="http://schemas.microsoft.com/office/drawing/2014/main" id="{D42181E2-5E4E-C401-43DD-F0B5B1F20CB2}"/>
+              </a:ext>
+            </a:extLst>
+          </p:cNvPr>
+          <p:cNvSpPr>
+            <a:spLocks noGrp="1"/>
+          </p:cNvSpPr>
+          <p:nvPr>
+            <p:ph idx="1"/>
+          </p:nvPr>
+        </p:nvSpPr>
+        <p:spPr>
+          <a:xfrm>
+            <a:off x="650967" y="2485644"/>
+            <a:ext cx="6242715" cy="4250436"/>
+          </a:xfrm>
+        </p:spPr>
+        <p:txBody>
+          <a:bodyPr>
+            <a:normAutofit fontScale="92500"/>
+          </a:bodyPr>
+          <a:lstStyle/>
+          <a:p>
+            <a:r>
+              <a:rPr lang="fr-BE" sz="2000" dirty="0">
+                <a:solidFill>
+                  <a:schemeClr val="bg1"/>
+                </a:solidFill>
+              </a:rPr>
+              <a:t>Il possède deux canaux de sortie pour contrôler deux moteurs distincts. Chaque canal est composé de deux transistors H-Bridge</a:t>
+            </a:r>
+          </a:p>
+          <a:p>
+            <a:r>
+              <a:rPr lang="fr-BE" sz="2000" dirty="0">
+                <a:solidFill>
+                  <a:schemeClr val="bg1"/>
+                </a:solidFill>
+              </a:rPr>
+              <a:t>Le pont H est composé de quatre transistors. En fermant les interrupteurs 1 et 4, le circuit passe par le moteur dans un sens. En fermant les interrupteurs 2 et 3, le circuit est maintenant connecté dans l'autre sens.</a:t>
+            </a:r>
+          </a:p>
+          <a:p>
+            <a:r>
+              <a:rPr lang="fr-BE" sz="2000" dirty="0">
+                <a:solidFill>
+                  <a:schemeClr val="bg1"/>
+                </a:solidFill>
+              </a:rPr>
+              <a:t>Pour contrôler le moteur,  on l’alimente et on lui transmet un signal pour définir la direction de rotation et la vitesse du moteur.</a:t>
+            </a:r>
+          </a:p>
+          <a:p>
+            <a:r>
+              <a:rPr lang="fr-BE" sz="2000" dirty="0">
+                <a:solidFill>
+                  <a:schemeClr val="bg1"/>
+                </a:solidFill>
+              </a:rPr>
+              <a:t>Le signal de commande est généré par un microcontrôleur,  Il est constitué de deux signaux binaires, un pour la direction de rotation et un pour la vitesse.</a:t>
+            </a:r>
+          </a:p>
+          <a:p>
+            <a:endParaRPr lang="fr-BE" sz="2000" dirty="0">
+              <a:solidFill>
+                <a:schemeClr val="bg1"/>
+              </a:solidFill>
+            </a:endParaRPr>
+          </a:p>
+          <a:p>
+            <a:endParaRPr lang="fr-BE" dirty="0">
+              <a:solidFill>
+                <a:schemeClr val="bg1"/>
+              </a:solidFill>
+            </a:endParaRPr>
+          </a:p>
+          <a:p>
+            <a:endParaRPr lang="fr-BE" dirty="0">
+              <a:solidFill>
+                <a:schemeClr val="bg1"/>
+              </a:solidFill>
+            </a:endParaRPr>
+          </a:p>
+          <a:p>
+            <a:endParaRPr lang="fr-BE" dirty="0">
+              <a:solidFill>
+                <a:schemeClr val="bg1"/>
+              </a:solidFill>
+            </a:endParaRPr>
+          </a:p>
+        </p:txBody>
+      </p:sp>
+      <p:pic>
+        <p:nvPicPr>
+          <p:cNvPr id="8" name="Image 7" descr="Une image contenant Appareils électroniques, circuit&#10;&#10;Description générée automatiquement">
+            <a:extLst>
+              <a:ext uri="{FF2B5EF4-FFF2-40B4-BE49-F238E27FC236}">
+                <a16:creationId xmlns:a16="http://schemas.microsoft.com/office/drawing/2014/main" id="{9E6424FD-2502-30BE-5469-C681144B2823}"/>
+              </a:ext>
+            </a:extLst>
+          </p:cNvPr>
+          <p:cNvPicPr>
+            <a:picLocks noChangeAspect="1"/>
+          </p:cNvPicPr>
+          <p:nvPr/>
+        </p:nvPicPr>
+        <p:blipFill>
+          <a:blip r:embed="rId2">
+            <a:extLst>
+              <a:ext uri="{28A0092B-C50C-407E-A947-70E740481C1C}">
+                <a14:useLocalDpi xmlns:a14="http://schemas.microsoft.com/office/drawing/2010/main" val="0"/>
+              </a:ext>
+            </a:extLst>
+          </a:blip>
+          <a:stretch>
+            <a:fillRect/>
+          </a:stretch>
+        </p:blipFill>
+        <p:spPr>
+          <a:xfrm>
+            <a:off x="7753032" y="2006282"/>
+            <a:ext cx="4275927" cy="2845435"/>
+          </a:xfrm>
+          <a:prstGeom prst="rect">
+            <a:avLst/>
+          </a:prstGeom>
+        </p:spPr>
+      </p:pic>
+    </p:spTree>
+    <p:extLst>
+      <p:ext uri="{BB962C8B-B14F-4D97-AF65-F5344CB8AC3E}">
+        <p14:creationId xmlns:p14="http://schemas.microsoft.com/office/powerpoint/2010/main" val="1001264938"/>
       </p:ext>
     </p:extLst>
   </p:cSld>
